--- a/20160313.pptx
+++ b/20160313.pptx
@@ -3624,21 +3624,21 @@
           <a:p>
             <a:pPr algn="ctr"/>
             <a:r>
-              <a:rPr lang="zh-CN" altLang="zh-CN" sz="3600" dirty="0" smtClean="0"/>
-              <a:t>基</a:t>
-            </a:r>
-            <a:r>
               <a:rPr lang="zh-CN" altLang="zh-CN" sz="3600" dirty="0"/>
-              <a:t>于遗传禁忌算法实现课程安排</a:t>
-            </a:r>
-            <a:endParaRPr lang="zh-CN" altLang="en-US" sz="9600" dirty="0">
-              <a:solidFill>
-                <a:srgbClr val="262626"/>
-              </a:solidFill>
-              <a:latin typeface="微软雅黑" panose="020B0503020204020204" pitchFamily="34" charset="-122"/>
-              <a:ea typeface="微软雅黑" panose="020B0503020204020204" pitchFamily="34" charset="-122"/>
-              <a:sym typeface="微软雅黑" panose="020B0503020204020204" pitchFamily="34" charset="-122"/>
-            </a:endParaRPr>
+              <a:t>基于遗传禁忌</a:t>
+            </a:r>
+            <a:r>
+              <a:rPr lang="zh-CN" altLang="zh-CN" sz="3600"/>
+              <a:t>算</a:t>
+            </a:r>
+            <a:r>
+              <a:rPr lang="zh-CN" altLang="zh-CN" sz="3600" smtClean="0"/>
+              <a:t>法解</a:t>
+            </a:r>
+            <a:r>
+              <a:rPr lang="zh-CN" altLang="zh-CN" sz="3600" dirty="0"/>
+              <a:t>决排课问题</a:t>
+            </a:r>
           </a:p>
         </p:txBody>
       </p:sp>
@@ -3698,18 +3698,7 @@
                 <a:ea typeface="微软雅黑" panose="020B0503020204020204" pitchFamily="34" charset="-122"/>
                 <a:sym typeface="微软雅黑" panose="020B0503020204020204" pitchFamily="34" charset="-122"/>
               </a:rPr>
-              <a:t>2016-03-13  </a:t>
-            </a:r>
-            <a:r>
-              <a:rPr lang="en-US" altLang="zh-CN" sz="2400" dirty="0" smtClean="0">
-                <a:solidFill>
-                  <a:srgbClr val="262626"/>
-                </a:solidFill>
-                <a:latin typeface="微软雅黑" panose="020B0503020204020204" pitchFamily="34" charset="-122"/>
-                <a:ea typeface="微软雅黑" panose="020B0503020204020204" pitchFamily="34" charset="-122"/>
-                <a:sym typeface="微软雅黑" panose="020B0503020204020204" pitchFamily="34" charset="-122"/>
-              </a:rPr>
-              <a:t>LWQ</a:t>
+              <a:t>2016-03-13  LWQ</a:t>
             </a:r>
             <a:endParaRPr lang="zh-CN" altLang="en-US" sz="2400" dirty="0">
               <a:solidFill>

--- a/20160313.pptx
+++ b/20160313.pptx
@@ -7193,6 +7193,13 @@
   <p:transition spd="slow">
     <p:push dir="u"/>
   </p:transition>
+  <p:timing>
+    <p:tnLst>
+      <p:par>
+        <p:cTn id="1" dur="indefinite" restart="never" nodeType="tmRoot"/>
+      </p:par>
+    </p:tnLst>
+  </p:timing>
 </p:sld>
 </file>
 
@@ -22240,7 +22247,15 @@
             </a:r>
             <a:r>
               <a:rPr lang="zh-CN" altLang="zh-CN" sz="1900" dirty="0"/>
-              <a:t>几个班的学生，每个班有自己固定的课程安排</a:t>
+              <a:t>几个班的学生，每个班有自己固定</a:t>
+            </a:r>
+            <a:r>
+              <a:rPr lang="zh-CN" altLang="zh-CN" sz="1900" dirty="0" smtClean="0"/>
+              <a:t>的</a:t>
+            </a:r>
+            <a:r>
+              <a:rPr lang="zh-CN" altLang="en-US" sz="1900" dirty="0" smtClean="0"/>
+              <a:t>课程表</a:t>
             </a:r>
             <a:r>
               <a:rPr lang="zh-CN" altLang="zh-CN" sz="1900" dirty="0" smtClean="0"/>
@@ -22344,7 +22359,19 @@
             </a:r>
             <a:r>
               <a:rPr lang="zh-CN" altLang="zh-CN" sz="1900" dirty="0"/>
-              <a:t>）由一组给定的课程（</a:t>
+              <a:t>）由一组给定</a:t>
+            </a:r>
+            <a:r>
+              <a:rPr lang="zh-CN" altLang="zh-CN" sz="1900" dirty="0" smtClean="0"/>
+              <a:t>的</a:t>
+            </a:r>
+            <a:r>
+              <a:rPr lang="zh-CN" altLang="en-US" sz="1900" dirty="0" smtClean="0"/>
+              <a:t>专题</a:t>
+            </a:r>
+            <a:r>
+              <a:rPr lang="zh-CN" altLang="zh-CN" sz="1900" dirty="0" smtClean="0"/>
+              <a:t>（</a:t>
             </a:r>
             <a:r>
               <a:rPr lang="en-US" altLang="zh-CN" sz="1900" dirty="0"/>
@@ -22431,8 +22458,20 @@
               <a:t>每</a:t>
             </a:r>
             <a:r>
+              <a:rPr lang="zh-CN" altLang="zh-CN" sz="1900" dirty="0" smtClean="0"/>
+              <a:t>一</a:t>
+            </a:r>
+            <a:r>
+              <a:rPr lang="zh-CN" altLang="en-US" sz="1900" dirty="0" smtClean="0"/>
+              <a:t>专题</a:t>
+            </a:r>
+            <a:r>
+              <a:rPr lang="zh-CN" altLang="zh-CN" sz="1900" dirty="0" smtClean="0"/>
+              <a:t>有</a:t>
+            </a:r>
+            <a:r>
               <a:rPr lang="zh-CN" altLang="zh-CN" sz="1900" dirty="0"/>
-              <a:t>一门课有固定的老师，一个老师能给多个班级交多门课</a:t>
+              <a:t>固定的老师，一个老师能给多个班级交多门课</a:t>
             </a:r>
             <a:r>
               <a:rPr lang="zh-CN" altLang="zh-CN" sz="1900" dirty="0" smtClean="0"/>
@@ -23918,7 +23957,19 @@
             </a:pPr>
             <a:r>
               <a:rPr lang="zh-CN" altLang="zh-CN" sz="2000" dirty="0" smtClean="0"/>
-              <a:t>我们区分两种类型的课程（</a:t>
+              <a:t>我们区分两种类型</a:t>
+            </a:r>
+            <a:r>
+              <a:rPr lang="zh-CN" altLang="zh-CN" sz="2000" dirty="0" smtClean="0"/>
+              <a:t>的</a:t>
+            </a:r>
+            <a:r>
+              <a:rPr lang="zh-CN" altLang="en-US" sz="2000" dirty="0" smtClean="0"/>
+              <a:t>专题</a:t>
+            </a:r>
+            <a:r>
+              <a:rPr lang="zh-CN" altLang="zh-CN" sz="2000" dirty="0" smtClean="0"/>
+              <a:t>（</a:t>
             </a:r>
             <a:r>
               <a:rPr lang="en-US" altLang="zh-CN" sz="2000" dirty="0" smtClean="0"/>
@@ -23941,7 +23992,23 @@
             </a:r>
             <a:r>
               <a:rPr lang="zh-CN" altLang="zh-CN" sz="2000" dirty="0" smtClean="0"/>
-              <a:t>静态的课程，每天量是固定的，并且提前安排好了</a:t>
+              <a:t>静态</a:t>
+            </a:r>
+            <a:r>
+              <a:rPr lang="zh-CN" altLang="zh-CN" sz="2000" dirty="0" smtClean="0"/>
+              <a:t>的</a:t>
+            </a:r>
+            <a:r>
+              <a:rPr lang="zh-CN" altLang="en-US" sz="2000" dirty="0"/>
+              <a:t>专题</a:t>
+            </a:r>
+            <a:r>
+              <a:rPr lang="zh-CN" altLang="zh-CN" sz="2000" dirty="0" smtClean="0"/>
+              <a:t>，</a:t>
+            </a:r>
+            <a:r>
+              <a:rPr lang="zh-CN" altLang="zh-CN" sz="2000" dirty="0" smtClean="0"/>
+              <a:t>每天量是固定的，并且提前安排好了</a:t>
             </a:r>
           </a:p>
           <a:p>
@@ -23956,7 +24023,23 @@
             </a:r>
             <a:r>
               <a:rPr lang="zh-CN" altLang="zh-CN" sz="2000" dirty="0" smtClean="0"/>
-              <a:t>动态的课程，每天的量是任意的，而是有给定的最小值和最大值的限制。</a:t>
+              <a:t>动态</a:t>
+            </a:r>
+            <a:r>
+              <a:rPr lang="zh-CN" altLang="zh-CN" sz="2000" dirty="0" smtClean="0"/>
+              <a:t>的</a:t>
+            </a:r>
+            <a:r>
+              <a:rPr lang="zh-CN" altLang="en-US" sz="2000" dirty="0"/>
+              <a:t>专题</a:t>
+            </a:r>
+            <a:r>
+              <a:rPr lang="zh-CN" altLang="zh-CN" sz="2000" dirty="0" smtClean="0"/>
+              <a:t>，</a:t>
+            </a:r>
+            <a:r>
+              <a:rPr lang="zh-CN" altLang="zh-CN" sz="2000" dirty="0" smtClean="0"/>
+              <a:t>每天的量是任意的，而是有给定的最小值和最大值的限制。</a:t>
             </a:r>
             <a:endParaRPr lang="en-US" altLang="zh-CN" sz="2000" dirty="0" smtClean="0"/>
           </a:p>
@@ -25409,7 +25492,7 @@
         <p:spPr>
           <a:xfrm>
             <a:off x="118521" y="1027682"/>
-            <a:ext cx="11742234" cy="5825569"/>
+            <a:ext cx="11742234" cy="5893921"/>
           </a:xfrm>
           <a:prstGeom prst="rect">
             <a:avLst/>
@@ -25436,7 +25519,19 @@
             </a:r>
             <a:r>
               <a:rPr lang="zh-CN" altLang="zh-CN" dirty="0" smtClean="0"/>
-              <a:t>个课时应该在周四之前的时间安排。每节课的长度应该是两个或三个课时。在这种情况下，调度程序可以定义两个不同的规则（</a:t>
+              <a:t>个课时应该在周四之前的时间安排。每节课的长度应该是两个或三个课时。在这种情况下，调度程序可以定义两个不同</a:t>
+            </a:r>
+            <a:r>
+              <a:rPr lang="zh-CN" altLang="zh-CN" dirty="0" smtClean="0"/>
+              <a:t>的</a:t>
+            </a:r>
+            <a:r>
+              <a:rPr lang="zh-CN" altLang="en-US" dirty="0"/>
+              <a:t>专题</a:t>
+            </a:r>
+            <a:r>
+              <a:rPr lang="zh-CN" altLang="zh-CN" dirty="0" smtClean="0"/>
+              <a:t>（</a:t>
             </a:r>
             <a:r>
               <a:rPr lang="en-US" altLang="zh-CN" dirty="0" smtClean="0"/>
@@ -25459,7 +25554,39 @@
             </a:r>
             <a:r>
               <a:rPr lang="zh-CN" altLang="zh-CN" dirty="0" smtClean="0"/>
-              <a:t>一个静态的规则（有两小时的每天量）代表课程在周五安排。这个规则中开始和结束时期都是周五</a:t>
+              <a:t>一个静态</a:t>
+            </a:r>
+            <a:r>
+              <a:rPr lang="zh-CN" altLang="zh-CN" dirty="0" smtClean="0"/>
+              <a:t>的</a:t>
+            </a:r>
+            <a:r>
+              <a:rPr lang="zh-CN" altLang="en-US" dirty="0"/>
+              <a:t>专题</a:t>
+            </a:r>
+            <a:r>
+              <a:rPr lang="zh-CN" altLang="zh-CN" dirty="0" smtClean="0"/>
+              <a:t>（</a:t>
+            </a:r>
+            <a:r>
+              <a:rPr lang="zh-CN" altLang="zh-CN" dirty="0" smtClean="0"/>
+              <a:t>有两小时的每天量）代表课程在周五安排。这</a:t>
+            </a:r>
+            <a:r>
+              <a:rPr lang="zh-CN" altLang="zh-CN" dirty="0" smtClean="0"/>
+              <a:t>个</a:t>
+            </a:r>
+            <a:r>
+              <a:rPr lang="zh-CN" altLang="en-US" dirty="0"/>
+              <a:t>专题</a:t>
+            </a:r>
+            <a:r>
+              <a:rPr lang="zh-CN" altLang="zh-CN" dirty="0" smtClean="0"/>
+              <a:t>中</a:t>
+            </a:r>
+            <a:r>
+              <a:rPr lang="zh-CN" altLang="zh-CN" dirty="0" smtClean="0"/>
+              <a:t>开始和结束时期都是周五</a:t>
             </a:r>
           </a:p>
           <a:p>
@@ -25480,7 +25607,39 @@
             </a:r>
             <a:r>
               <a:rPr lang="zh-CN" altLang="zh-CN" dirty="0" smtClean="0"/>
-              <a:t>个时间段一个动态的规则。本规则的发布的日期是星期一，它的到期日是星期三，每日量子的最大值是三个，最小值为两个。</a:t>
+              <a:t>个时间段一个动态</a:t>
+            </a:r>
+            <a:r>
+              <a:rPr lang="zh-CN" altLang="zh-CN" dirty="0" smtClean="0"/>
+              <a:t>的</a:t>
+            </a:r>
+            <a:r>
+              <a:rPr lang="zh-CN" altLang="en-US" dirty="0"/>
+              <a:t>专题</a:t>
+            </a:r>
+            <a:r>
+              <a:rPr lang="zh-CN" altLang="zh-CN" dirty="0" smtClean="0"/>
+              <a:t>。本</a:t>
+            </a:r>
+            <a:r>
+              <a:rPr lang="zh-CN" altLang="en-US" dirty="0"/>
+              <a:t>专题</a:t>
+            </a:r>
+            <a:r>
+              <a:rPr lang="zh-CN" altLang="zh-CN" dirty="0" smtClean="0"/>
+              <a:t>的</a:t>
+            </a:r>
+            <a:r>
+              <a:rPr lang="zh-CN" altLang="zh-CN" dirty="0" smtClean="0"/>
+              <a:t>发布的日期是星期一，它的到期日是星期三，每日</a:t>
+            </a:r>
+            <a:r>
+              <a:rPr lang="zh-CN" altLang="zh-CN" dirty="0" smtClean="0"/>
+              <a:t>量的</a:t>
+            </a:r>
+            <a:r>
+              <a:rPr lang="zh-CN" altLang="zh-CN" dirty="0" smtClean="0"/>
+              <a:t>最大值是三个，最小值为两个。</a:t>
             </a:r>
             <a:endParaRPr lang="en-US" altLang="zh-CN" dirty="0" smtClean="0"/>
           </a:p>
@@ -25495,8 +25654,16 @@
               <a:t>动</a:t>
             </a:r>
             <a:r>
-              <a:rPr lang="zh-CN" altLang="zh-CN" dirty="0"/>
-              <a:t>态主题的</a:t>
+              <a:rPr lang="zh-CN" altLang="zh-CN" dirty="0" smtClean="0"/>
+              <a:t>态</a:t>
+            </a:r>
+            <a:r>
+              <a:rPr lang="zh-CN" altLang="en-US" dirty="0"/>
+              <a:t>专题</a:t>
+            </a:r>
+            <a:r>
+              <a:rPr lang="zh-CN" altLang="zh-CN" dirty="0" smtClean="0"/>
+              <a:t>的</a:t>
             </a:r>
             <a:r>
               <a:rPr lang="en-US" altLang="zh-CN" dirty="0"/>
@@ -25504,7 +25671,23 @@
             </a:r>
             <a:r>
               <a:rPr lang="zh-CN" altLang="zh-CN" dirty="0"/>
-              <a:t>个时间段长度代要么是三次两个课时要么是两次三个课时。没有动态规则的模型禁用两个规则之一。要解决问题就要为得到可行的课表，在给定课程安排和给定的工作日集合</a:t>
+              <a:t>个时间段长度代要么是三次两个课时要么是两次三个课时。没有动</a:t>
+            </a:r>
+            <a:r>
+              <a:rPr lang="zh-CN" altLang="zh-CN" dirty="0" smtClean="0"/>
+              <a:t>态</a:t>
+            </a:r>
+            <a:r>
+              <a:rPr lang="zh-CN" altLang="en-US" dirty="0"/>
+              <a:t>专题</a:t>
+            </a:r>
+            <a:r>
+              <a:rPr lang="zh-CN" altLang="zh-CN" dirty="0" smtClean="0"/>
+              <a:t>的</a:t>
+            </a:r>
+            <a:r>
+              <a:rPr lang="zh-CN" altLang="zh-CN" dirty="0"/>
+              <a:t>模型禁用两个规则之一。要解决问题就要为得到可行的课表，在给定课程安排和给定的工作日集合</a:t>
             </a:r>
             <a:r>
               <a:rPr lang="zh-CN" altLang="zh-CN" dirty="0" smtClean="0"/>
@@ -25600,10 +25783,22 @@
             </a:r>
             <a:r>
               <a:rPr lang="zh-CN" altLang="zh-CN" dirty="0"/>
-              <a:t>）静态课程的日常量正确排序</a:t>
-            </a:r>
-            <a:r>
-              <a:rPr lang="zh-CN" altLang="zh-CN" dirty="0" smtClean="0"/>
+              <a:t>）静态课程的日常量</a:t>
+            </a:r>
+            <a:r>
+              <a:rPr lang="zh-CN" altLang="zh-CN"/>
+              <a:t>正</a:t>
+            </a:r>
+            <a:r>
+              <a:rPr lang="zh-CN" altLang="zh-CN" smtClean="0"/>
+              <a:t>确</a:t>
+            </a:r>
+            <a:r>
+              <a:rPr lang="zh-CN" altLang="en-US" smtClean="0"/>
+              <a:t>安排</a:t>
+            </a:r>
+            <a:r>
+              <a:rPr lang="zh-CN" altLang="zh-CN" smtClean="0"/>
               <a:t>，</a:t>
             </a:r>
             <a:endParaRPr lang="en-US" altLang="zh-CN" dirty="0" smtClean="0"/>
